--- a/01.Lessions/06-Joining-Multiple-Tables/06-Joining-Multiple-Tables.pptx
+++ b/01.Lessions/06-Joining-Multiple-Tables/06-Joining-Multiple-Tables.pptx
@@ -16,7 +16,11 @@
     <p:sldId id="287" r:id="rId10"/>
     <p:sldId id="283" r:id="rId11"/>
     <p:sldId id="284" r:id="rId12"/>
-    <p:sldId id="288" r:id="rId13"/>
+    <p:sldId id="289" r:id="rId13"/>
+    <p:sldId id="290" r:id="rId14"/>
+    <p:sldId id="291" r:id="rId15"/>
+    <p:sldId id="292" r:id="rId16"/>
+    <p:sldId id="288" r:id="rId17"/>
   </p:sldIdLst>
   <p:sldSz cx="9144000" cy="6858000" type="screen4x3"/>
   <p:notesSz cx="6858000" cy="9144000"/>
@@ -972,7 +976,7 @@
           <a:p>
             <a:fld id="{C764DE79-268F-4C1A-8933-263129D2AF90}" type="datetimeFigureOut">
               <a:rPr lang="en-US" dirty="0"/>
-              <a:t>11/14/2023</a:t>
+              <a:t>11/15/2023</a:t>
             </a:fld>
             <a:endParaRPr lang="en-US" dirty="0"/>
           </a:p>
@@ -1776,11 +1780,6 @@
               </a:rPr>
               <a:t>aliases</a:t>
             </a:r>
-            <a:endParaRPr lang="en-US" dirty="0">
-              <a:solidFill>
-                <a:schemeClr val="bg1"/>
-              </a:solidFill>
-            </a:endParaRPr>
           </a:p>
         </p:txBody>
       </p:sp>
@@ -1984,17 +1983,7 @@
                   </a:schemeClr>
                 </a:solidFill>
               </a:rPr>
-              <a:t>RIGHT</a:t>
-            </a:r>
-            <a:r>
-              <a:rPr lang="en-US" sz="1600" b="1" dirty="0" smtClean="0">
-                <a:solidFill>
-                  <a:schemeClr val="accent5">
-                    <a:lumMod val="75000"/>
-                  </a:schemeClr>
-                </a:solidFill>
-              </a:rPr>
-              <a:t> JOIN</a:t>
+              <a:t>RIGHT JOIN</a:t>
             </a:r>
             <a:endParaRPr lang="en-US" sz="1600" b="1" dirty="0">
               <a:solidFill>
@@ -2942,17 +2931,7 @@
                   </a:schemeClr>
                 </a:solidFill>
               </a:rPr>
-              <a:t>FULL</a:t>
-            </a:r>
-            <a:r>
-              <a:rPr lang="en-US" sz="1600" b="1" dirty="0" smtClean="0">
-                <a:solidFill>
-                  <a:schemeClr val="accent5">
-                    <a:lumMod val="75000"/>
-                  </a:schemeClr>
-                </a:solidFill>
-              </a:rPr>
-              <a:t> JOIN</a:t>
+              <a:t>FULL JOIN</a:t>
             </a:r>
             <a:endParaRPr lang="en-US" sz="1600" b="1" dirty="0">
               <a:solidFill>
@@ -3545,6 +3524,2124 @@
       </p:grpSpPr>
       <p:sp>
         <p:nvSpPr>
+          <p:cNvPr id="5" name="Rounded Rectangle 4"/>
+          <p:cNvSpPr/>
+          <p:nvPr/>
+        </p:nvSpPr>
+        <p:spPr>
+          <a:xfrm>
+            <a:off x="905344" y="2809807"/>
+            <a:ext cx="7296263" cy="1153185"/>
+          </a:xfrm>
+          <a:prstGeom prst="roundRect">
+            <a:avLst>
+              <a:gd name="adj" fmla="val 3686"/>
+            </a:avLst>
+          </a:prstGeom>
+          <a:solidFill>
+            <a:srgbClr val="1C1E26"/>
+          </a:solidFill>
+          <a:ln>
+            <a:solidFill>
+              <a:schemeClr val="accent1">
+                <a:lumMod val="60000"/>
+                <a:lumOff val="40000"/>
+              </a:schemeClr>
+            </a:solidFill>
+          </a:ln>
+        </p:spPr>
+        <p:style>
+          <a:lnRef idx="2">
+            <a:schemeClr val="accent1">
+              <a:shade val="50000"/>
+            </a:schemeClr>
+          </a:lnRef>
+          <a:fillRef idx="1">
+            <a:schemeClr val="accent1"/>
+          </a:fillRef>
+          <a:effectRef idx="0">
+            <a:schemeClr val="accent1"/>
+          </a:effectRef>
+          <a:fontRef idx="minor">
+            <a:schemeClr val="lt1"/>
+          </a:fontRef>
+        </p:style>
+        <p:txBody>
+          <a:bodyPr rtlCol="0" anchor="t"/>
+          <a:lstStyle/>
+          <a:p>
+            <a:pPr>
+              <a:lnSpc>
+                <a:spcPct val="150000"/>
+              </a:lnSpc>
+            </a:pPr>
+            <a:endParaRPr lang="en-US" sz="1400" dirty="0">
+              <a:solidFill>
+                <a:schemeClr val="accent5">
+                  <a:lumMod val="50000"/>
+                </a:schemeClr>
+              </a:solidFill>
+            </a:endParaRPr>
+          </a:p>
+        </p:txBody>
+      </p:sp>
+      <p:sp>
+        <p:nvSpPr>
+          <p:cNvPr id="37" name="4-Point Star 36"/>
+          <p:cNvSpPr/>
+          <p:nvPr/>
+        </p:nvSpPr>
+        <p:spPr>
+          <a:xfrm>
+            <a:off x="905344" y="716320"/>
+            <a:ext cx="289711" cy="289711"/>
+          </a:xfrm>
+          <a:prstGeom prst="star4">
+            <a:avLst/>
+          </a:prstGeom>
+          <a:solidFill>
+            <a:schemeClr val="accent2"/>
+          </a:solidFill>
+          <a:ln>
+            <a:noFill/>
+          </a:ln>
+        </p:spPr>
+        <p:style>
+          <a:lnRef idx="2">
+            <a:schemeClr val="accent1">
+              <a:shade val="50000"/>
+            </a:schemeClr>
+          </a:lnRef>
+          <a:fillRef idx="1">
+            <a:schemeClr val="accent1"/>
+          </a:fillRef>
+          <a:effectRef idx="0">
+            <a:schemeClr val="accent1"/>
+          </a:effectRef>
+          <a:fontRef idx="minor">
+            <a:schemeClr val="lt1"/>
+          </a:fontRef>
+        </p:style>
+        <p:txBody>
+          <a:bodyPr rtlCol="0" anchor="ctr"/>
+          <a:lstStyle/>
+          <a:p>
+            <a:pPr algn="ctr"/>
+            <a:endParaRPr lang="en-US"/>
+          </a:p>
+        </p:txBody>
+      </p:sp>
+      <p:sp>
+        <p:nvSpPr>
+          <p:cNvPr id="38" name="TextBox 37"/>
+          <p:cNvSpPr txBox="1"/>
+          <p:nvPr/>
+        </p:nvSpPr>
+        <p:spPr>
+          <a:xfrm>
+            <a:off x="1195055" y="672149"/>
+            <a:ext cx="3775297" cy="338554"/>
+          </a:xfrm>
+          <a:prstGeom prst="rect">
+            <a:avLst/>
+          </a:prstGeom>
+          <a:noFill/>
+        </p:spPr>
+        <p:txBody>
+          <a:bodyPr wrap="square" rtlCol="0">
+            <a:spAutoFit/>
+          </a:bodyPr>
+          <a:lstStyle/>
+          <a:p>
+            <a:r>
+              <a:rPr lang="en-US" sz="1600" b="1" dirty="0" smtClean="0">
+                <a:solidFill>
+                  <a:schemeClr val="accent5">
+                    <a:lumMod val="75000"/>
+                  </a:schemeClr>
+                </a:solidFill>
+              </a:rPr>
+              <a:t>SEFT JOIN</a:t>
+            </a:r>
+            <a:endParaRPr lang="en-US" sz="1600" b="1" dirty="0">
+              <a:solidFill>
+                <a:schemeClr val="accent5">
+                  <a:lumMod val="75000"/>
+                </a:schemeClr>
+              </a:solidFill>
+            </a:endParaRPr>
+          </a:p>
+        </p:txBody>
+      </p:sp>
+      <p:sp>
+        <p:nvSpPr>
+          <p:cNvPr id="6" name="TextBox 5"/>
+          <p:cNvSpPr txBox="1"/>
+          <p:nvPr/>
+        </p:nvSpPr>
+        <p:spPr>
+          <a:xfrm>
+            <a:off x="787650" y="1141336"/>
+            <a:ext cx="7677340" cy="1077218"/>
+          </a:xfrm>
+          <a:prstGeom prst="rect">
+            <a:avLst/>
+          </a:prstGeom>
+          <a:noFill/>
+        </p:spPr>
+        <p:txBody>
+          <a:bodyPr wrap="square" rtlCol="0">
+            <a:spAutoFit/>
+          </a:bodyPr>
+          <a:lstStyle/>
+          <a:p>
+            <a:r>
+              <a:rPr lang="vi-VN" sz="1600" dirty="0" smtClean="0">
+                <a:solidFill>
+                  <a:schemeClr val="accent5">
+                    <a:lumMod val="75000"/>
+                  </a:schemeClr>
+                </a:solidFill>
+              </a:rPr>
+              <a:t>SELF </a:t>
+            </a:r>
+            <a:r>
+              <a:rPr lang="vi-VN" sz="1600" dirty="0">
+                <a:solidFill>
+                  <a:schemeClr val="accent5">
+                    <a:lumMod val="75000"/>
+                  </a:schemeClr>
+                </a:solidFill>
+              </a:rPr>
+              <a:t>JOIN (hoặc còn gọi là INNER JOIN tự tham chiếu) là một phép kết hợp dữ liệu trong đó một bảng được kết nối với chính nó thông qua một điều kiện kết nối. SELF JOIN thường được sử dụng khi bạn muốn so sánh các bản ghi trong cùng một bảng dựa trên một điều </a:t>
+            </a:r>
+            <a:r>
+              <a:rPr lang="vi-VN" sz="1600" dirty="0" smtClean="0">
+                <a:solidFill>
+                  <a:schemeClr val="accent5">
+                    <a:lumMod val="75000"/>
+                  </a:schemeClr>
+                </a:solidFill>
+              </a:rPr>
+              <a:t>kiện</a:t>
+            </a:r>
+            <a:r>
+              <a:rPr lang="en-US" sz="1600" dirty="0" smtClean="0">
+                <a:solidFill>
+                  <a:schemeClr val="accent5">
+                    <a:lumMod val="75000"/>
+                  </a:schemeClr>
+                </a:solidFill>
+              </a:rPr>
+              <a:t>.</a:t>
+            </a:r>
+            <a:endParaRPr lang="vi-VN" sz="1600" dirty="0">
+              <a:solidFill>
+                <a:schemeClr val="accent5">
+                  <a:lumMod val="75000"/>
+                </a:schemeClr>
+              </a:solidFill>
+            </a:endParaRPr>
+          </a:p>
+        </p:txBody>
+      </p:sp>
+      <p:pic>
+        <p:nvPicPr>
+          <p:cNvPr id="4" name="Picture 3"/>
+          <p:cNvPicPr>
+            <a:picLocks noChangeAspect="1"/>
+          </p:cNvPicPr>
+          <p:nvPr/>
+        </p:nvPicPr>
+        <p:blipFill>
+          <a:blip r:embed="rId2"/>
+          <a:stretch>
+            <a:fillRect/>
+          </a:stretch>
+        </p:blipFill>
+        <p:spPr>
+          <a:xfrm>
+            <a:off x="1050199" y="2891241"/>
+            <a:ext cx="5876925" cy="962025"/>
+          </a:xfrm>
+          <a:prstGeom prst="rect">
+            <a:avLst/>
+          </a:prstGeom>
+        </p:spPr>
+      </p:pic>
+      <p:sp>
+        <p:nvSpPr>
+          <p:cNvPr id="15" name="TextBox 14"/>
+          <p:cNvSpPr txBox="1"/>
+          <p:nvPr/>
+        </p:nvSpPr>
+        <p:spPr>
+          <a:xfrm>
+            <a:off x="851026" y="2349187"/>
+            <a:ext cx="7350581" cy="338554"/>
+          </a:xfrm>
+          <a:prstGeom prst="rect">
+            <a:avLst/>
+          </a:prstGeom>
+          <a:noFill/>
+        </p:spPr>
+        <p:txBody>
+          <a:bodyPr wrap="square" rtlCol="0">
+            <a:spAutoFit/>
+          </a:bodyPr>
+          <a:lstStyle/>
+          <a:p>
+            <a:r>
+              <a:rPr lang="en-US" sz="1600" b="1" dirty="0" err="1" smtClean="0">
+                <a:solidFill>
+                  <a:schemeClr val="accent5">
+                    <a:lumMod val="75000"/>
+                  </a:schemeClr>
+                </a:solidFill>
+              </a:rPr>
+              <a:t>Cú</a:t>
+            </a:r>
+            <a:r>
+              <a:rPr lang="en-US" sz="1600" b="1" dirty="0" smtClean="0">
+                <a:solidFill>
+                  <a:schemeClr val="accent5">
+                    <a:lumMod val="75000"/>
+                  </a:schemeClr>
+                </a:solidFill>
+              </a:rPr>
+              <a:t> </a:t>
+            </a:r>
+            <a:r>
+              <a:rPr lang="en-US" sz="1600" b="1" dirty="0" err="1" smtClean="0">
+                <a:solidFill>
+                  <a:schemeClr val="accent5">
+                    <a:lumMod val="75000"/>
+                  </a:schemeClr>
+                </a:solidFill>
+              </a:rPr>
+              <a:t>pháp</a:t>
+            </a:r>
+            <a:r>
+              <a:rPr lang="en-US" sz="1600" b="1" dirty="0" smtClean="0">
+                <a:solidFill>
+                  <a:schemeClr val="accent5">
+                    <a:lumMod val="75000"/>
+                  </a:schemeClr>
+                </a:solidFill>
+              </a:rPr>
+              <a:t> </a:t>
+            </a:r>
+            <a:r>
+              <a:rPr lang="en-US" sz="1600" b="1" dirty="0" err="1" smtClean="0">
+                <a:solidFill>
+                  <a:schemeClr val="accent5">
+                    <a:lumMod val="75000"/>
+                  </a:schemeClr>
+                </a:solidFill>
+              </a:rPr>
+              <a:t>sử</a:t>
+            </a:r>
+            <a:r>
+              <a:rPr lang="en-US" sz="1600" b="1" dirty="0" smtClean="0">
+                <a:solidFill>
+                  <a:schemeClr val="accent5">
+                    <a:lumMod val="75000"/>
+                  </a:schemeClr>
+                </a:solidFill>
+              </a:rPr>
+              <a:t> </a:t>
+            </a:r>
+            <a:r>
+              <a:rPr lang="en-US" sz="1600" b="1" dirty="0" err="1" smtClean="0">
+                <a:solidFill>
+                  <a:schemeClr val="accent5">
+                    <a:lumMod val="75000"/>
+                  </a:schemeClr>
+                </a:solidFill>
+              </a:rPr>
+              <a:t>dụng</a:t>
+            </a:r>
+            <a:r>
+              <a:rPr lang="en-US" sz="1600" b="1" dirty="0" smtClean="0">
+                <a:solidFill>
+                  <a:schemeClr val="accent5">
+                    <a:lumMod val="75000"/>
+                  </a:schemeClr>
+                </a:solidFill>
+              </a:rPr>
+              <a:t> </a:t>
+            </a:r>
+            <a:r>
+              <a:rPr lang="en-US" sz="1600" b="1" dirty="0" err="1" smtClean="0">
+                <a:solidFill>
+                  <a:schemeClr val="accent5">
+                    <a:lumMod val="75000"/>
+                  </a:schemeClr>
+                </a:solidFill>
+              </a:rPr>
+              <a:t>Seft</a:t>
+            </a:r>
+            <a:r>
+              <a:rPr lang="en-US" sz="1600" b="1" dirty="0" smtClean="0">
+                <a:solidFill>
+                  <a:schemeClr val="accent5">
+                    <a:lumMod val="75000"/>
+                  </a:schemeClr>
+                </a:solidFill>
+              </a:rPr>
+              <a:t>-Join</a:t>
+            </a:r>
+            <a:endParaRPr lang="vi-VN" sz="1600" b="1" dirty="0">
+              <a:solidFill>
+                <a:schemeClr val="accent5">
+                  <a:lumMod val="75000"/>
+                </a:schemeClr>
+              </a:solidFill>
+            </a:endParaRPr>
+          </a:p>
+        </p:txBody>
+      </p:sp>
+      <p:sp>
+        <p:nvSpPr>
+          <p:cNvPr id="16" name="TextBox 15"/>
+          <p:cNvSpPr txBox="1"/>
+          <p:nvPr/>
+        </p:nvSpPr>
+        <p:spPr>
+          <a:xfrm>
+            <a:off x="787650" y="4110873"/>
+            <a:ext cx="7677340" cy="1323439"/>
+          </a:xfrm>
+          <a:prstGeom prst="rect">
+            <a:avLst/>
+          </a:prstGeom>
+          <a:noFill/>
+        </p:spPr>
+        <p:txBody>
+          <a:bodyPr wrap="square" rtlCol="0">
+            <a:spAutoFit/>
+          </a:bodyPr>
+          <a:lstStyle/>
+          <a:p>
+            <a:r>
+              <a:rPr lang="vi-VN" sz="1600" dirty="0">
+                <a:solidFill>
+                  <a:schemeClr val="accent5">
+                    <a:lumMod val="75000"/>
+                  </a:schemeClr>
+                </a:solidFill>
+              </a:rPr>
+              <a:t>Bạn cần sử dụng các bí danh (alias) để phân biệt giữa các phiên bản của bảng trong phép kết nối, trong ví dụ trên là "t1" và "t2". </a:t>
+            </a:r>
+            <a:endParaRPr lang="en-US" sz="1600" dirty="0" smtClean="0">
+              <a:solidFill>
+                <a:schemeClr val="accent5">
+                  <a:lumMod val="75000"/>
+                </a:schemeClr>
+              </a:solidFill>
+            </a:endParaRPr>
+          </a:p>
+          <a:p>
+            <a:endParaRPr lang="en-US" sz="1600" dirty="0">
+              <a:solidFill>
+                <a:schemeClr val="accent5">
+                  <a:lumMod val="75000"/>
+                </a:schemeClr>
+              </a:solidFill>
+            </a:endParaRPr>
+          </a:p>
+          <a:p>
+            <a:r>
+              <a:rPr lang="vi-VN" sz="1600" dirty="0" smtClean="0">
+                <a:solidFill>
+                  <a:schemeClr val="accent5">
+                    <a:lumMod val="75000"/>
+                  </a:schemeClr>
+                </a:solidFill>
+              </a:rPr>
+              <a:t>Điều </a:t>
+            </a:r>
+            <a:r>
+              <a:rPr lang="vi-VN" sz="1600" dirty="0">
+                <a:solidFill>
+                  <a:schemeClr val="accent5">
+                    <a:lumMod val="75000"/>
+                  </a:schemeClr>
+                </a:solidFill>
+              </a:rPr>
+              <a:t>kiện kết nối được xác định bởi biểu thức "t1.column = t2.column", trong đó "column" là cột được sử dụng để kết nối các bản ghi trong cùng một bảng.</a:t>
+            </a:r>
+            <a:endParaRPr lang="vi-VN" sz="1600" dirty="0">
+              <a:solidFill>
+                <a:schemeClr val="accent5">
+                  <a:lumMod val="75000"/>
+                </a:schemeClr>
+              </a:solidFill>
+            </a:endParaRPr>
+          </a:p>
+        </p:txBody>
+      </p:sp>
+    </p:spTree>
+    <p:extLst>
+      <p:ext uri="{BB962C8B-B14F-4D97-AF65-F5344CB8AC3E}">
+        <p14:creationId xmlns:p14="http://schemas.microsoft.com/office/powerpoint/2010/main" val="1715433384"/>
+      </p:ext>
+    </p:extLst>
+  </p:cSld>
+  <p:clrMapOvr>
+    <a:masterClrMapping/>
+  </p:clrMapOvr>
+  <p:timing>
+    <p:tnLst>
+      <p:par>
+        <p:cTn id="1" dur="indefinite" restart="never" nodeType="tmRoot"/>
+      </p:par>
+    </p:tnLst>
+  </p:timing>
+</p:sld>
+</file>
+
+<file path=ppt/slides/slide13.xml><?xml version="1.0" encoding="utf-8"?>
+<p:sld xmlns:a="http://schemas.openxmlformats.org/drawingml/2006/main" xmlns:r="http://schemas.openxmlformats.org/officeDocument/2006/relationships" xmlns:p="http://schemas.openxmlformats.org/presentationml/2006/main">
+  <p:cSld>
+    <p:spTree>
+      <p:nvGrpSpPr>
+        <p:cNvPr id="1" name=""/>
+        <p:cNvGrpSpPr/>
+        <p:nvPr/>
+      </p:nvGrpSpPr>
+      <p:grpSpPr>
+        <a:xfrm>
+          <a:off x="0" y="0"/>
+          <a:ext cx="0" cy="0"/>
+          <a:chOff x="0" y="0"/>
+          <a:chExt cx="0" cy="0"/>
+        </a:xfrm>
+      </p:grpSpPr>
+      <p:sp>
+        <p:nvSpPr>
+          <p:cNvPr id="13" name="Rounded Rectangle 12"/>
+          <p:cNvSpPr/>
+          <p:nvPr/>
+        </p:nvSpPr>
+        <p:spPr>
+          <a:xfrm>
+            <a:off x="923868" y="3860008"/>
+            <a:ext cx="7296263" cy="2595113"/>
+          </a:xfrm>
+          <a:prstGeom prst="roundRect">
+            <a:avLst>
+              <a:gd name="adj" fmla="val 3686"/>
+            </a:avLst>
+          </a:prstGeom>
+          <a:solidFill>
+            <a:srgbClr val="1C1E26"/>
+          </a:solidFill>
+          <a:ln>
+            <a:solidFill>
+              <a:schemeClr val="accent1">
+                <a:lumMod val="60000"/>
+                <a:lumOff val="40000"/>
+              </a:schemeClr>
+            </a:solidFill>
+          </a:ln>
+        </p:spPr>
+        <p:style>
+          <a:lnRef idx="2">
+            <a:schemeClr val="accent1">
+              <a:shade val="50000"/>
+            </a:schemeClr>
+          </a:lnRef>
+          <a:fillRef idx="1">
+            <a:schemeClr val="accent1"/>
+          </a:fillRef>
+          <a:effectRef idx="0">
+            <a:schemeClr val="accent1"/>
+          </a:effectRef>
+          <a:fontRef idx="minor">
+            <a:schemeClr val="lt1"/>
+          </a:fontRef>
+        </p:style>
+        <p:txBody>
+          <a:bodyPr rtlCol="0" anchor="t"/>
+          <a:lstStyle/>
+          <a:p>
+            <a:pPr>
+              <a:lnSpc>
+                <a:spcPct val="150000"/>
+              </a:lnSpc>
+            </a:pPr>
+            <a:endParaRPr lang="en-US" sz="1400" dirty="0">
+              <a:solidFill>
+                <a:schemeClr val="accent5">
+                  <a:lumMod val="50000"/>
+                </a:schemeClr>
+              </a:solidFill>
+            </a:endParaRPr>
+          </a:p>
+        </p:txBody>
+      </p:sp>
+      <p:sp>
+        <p:nvSpPr>
+          <p:cNvPr id="9" name="TextBox 8"/>
+          <p:cNvSpPr txBox="1"/>
+          <p:nvPr/>
+        </p:nvSpPr>
+        <p:spPr>
+          <a:xfrm>
+            <a:off x="787650" y="598128"/>
+            <a:ext cx="7677340" cy="338554"/>
+          </a:xfrm>
+          <a:prstGeom prst="rect">
+            <a:avLst/>
+          </a:prstGeom>
+          <a:noFill/>
+        </p:spPr>
+        <p:txBody>
+          <a:bodyPr wrap="square" rtlCol="0">
+            <a:spAutoFit/>
+          </a:bodyPr>
+          <a:lstStyle/>
+          <a:p>
+            <a:r>
+              <a:rPr lang="en-US" sz="1600" dirty="0" err="1" smtClean="0">
+                <a:solidFill>
+                  <a:schemeClr val="accent5">
+                    <a:lumMod val="75000"/>
+                  </a:schemeClr>
+                </a:solidFill>
+              </a:rPr>
+              <a:t>Cùng</a:t>
+            </a:r>
+            <a:r>
+              <a:rPr lang="en-US" sz="1600" dirty="0" smtClean="0">
+                <a:solidFill>
+                  <a:schemeClr val="accent5">
+                    <a:lumMod val="75000"/>
+                  </a:schemeClr>
+                </a:solidFill>
+              </a:rPr>
+              <a:t> </a:t>
+            </a:r>
+            <a:r>
+              <a:rPr lang="en-US" sz="1600" dirty="0" err="1" smtClean="0">
+                <a:solidFill>
+                  <a:schemeClr val="accent5">
+                    <a:lumMod val="75000"/>
+                  </a:schemeClr>
+                </a:solidFill>
+              </a:rPr>
+              <a:t>xem</a:t>
+            </a:r>
+            <a:r>
+              <a:rPr lang="en-US" sz="1600" dirty="0" smtClean="0">
+                <a:solidFill>
+                  <a:schemeClr val="accent5">
+                    <a:lumMod val="75000"/>
+                  </a:schemeClr>
+                </a:solidFill>
+              </a:rPr>
+              <a:t> </a:t>
+            </a:r>
+            <a:r>
+              <a:rPr lang="en-US" sz="1600" dirty="0" err="1" smtClean="0">
+                <a:solidFill>
+                  <a:schemeClr val="accent5">
+                    <a:lumMod val="75000"/>
+                  </a:schemeClr>
+                </a:solidFill>
+              </a:rPr>
+              <a:t>ví</a:t>
+            </a:r>
+            <a:r>
+              <a:rPr lang="en-US" sz="1600" dirty="0" smtClean="0">
+                <a:solidFill>
+                  <a:schemeClr val="accent5">
+                    <a:lumMod val="75000"/>
+                  </a:schemeClr>
+                </a:solidFill>
+              </a:rPr>
+              <a:t> </a:t>
+            </a:r>
+            <a:r>
+              <a:rPr lang="en-US" sz="1600" dirty="0" err="1" smtClean="0">
+                <a:solidFill>
+                  <a:schemeClr val="accent5">
+                    <a:lumMod val="75000"/>
+                  </a:schemeClr>
+                </a:solidFill>
+              </a:rPr>
+              <a:t>dụ</a:t>
+            </a:r>
+            <a:r>
+              <a:rPr lang="en-US" sz="1600" dirty="0" smtClean="0">
+                <a:solidFill>
+                  <a:schemeClr val="accent5">
+                    <a:lumMod val="75000"/>
+                  </a:schemeClr>
+                </a:solidFill>
+              </a:rPr>
+              <a:t> </a:t>
+            </a:r>
+            <a:r>
+              <a:rPr lang="en-US" sz="1600" dirty="0" err="1" smtClean="0">
+                <a:solidFill>
+                  <a:schemeClr val="accent5">
+                    <a:lumMod val="75000"/>
+                  </a:schemeClr>
+                </a:solidFill>
+              </a:rPr>
+              <a:t>cách</a:t>
+            </a:r>
+            <a:r>
+              <a:rPr lang="en-US" sz="1600" dirty="0" smtClean="0">
+                <a:solidFill>
+                  <a:schemeClr val="accent5">
+                    <a:lumMod val="75000"/>
+                  </a:schemeClr>
+                </a:solidFill>
+              </a:rPr>
+              <a:t> </a:t>
+            </a:r>
+            <a:r>
+              <a:rPr lang="en-US" sz="1600" dirty="0" err="1" smtClean="0">
+                <a:solidFill>
+                  <a:schemeClr val="accent5">
+                    <a:lumMod val="75000"/>
+                  </a:schemeClr>
+                </a:solidFill>
+              </a:rPr>
+              <a:t>tổ</a:t>
+            </a:r>
+            <a:r>
+              <a:rPr lang="en-US" sz="1600" dirty="0" smtClean="0">
+                <a:solidFill>
+                  <a:schemeClr val="accent5">
+                    <a:lumMod val="75000"/>
+                  </a:schemeClr>
+                </a:solidFill>
+              </a:rPr>
+              <a:t> </a:t>
+            </a:r>
+            <a:r>
+              <a:rPr lang="en-US" sz="1600" dirty="0" err="1" smtClean="0">
+                <a:solidFill>
+                  <a:schemeClr val="accent5">
+                    <a:lumMod val="75000"/>
+                  </a:schemeClr>
+                </a:solidFill>
+              </a:rPr>
+              <a:t>chức</a:t>
+            </a:r>
+            <a:r>
+              <a:rPr lang="en-US" sz="1600" dirty="0" smtClean="0">
+                <a:solidFill>
+                  <a:schemeClr val="accent5">
+                    <a:lumMod val="75000"/>
+                  </a:schemeClr>
+                </a:solidFill>
+              </a:rPr>
+              <a:t> </a:t>
+            </a:r>
+            <a:r>
+              <a:rPr lang="en-US" sz="1600" dirty="0" err="1" smtClean="0">
+                <a:solidFill>
+                  <a:schemeClr val="accent5">
+                    <a:lumMod val="75000"/>
+                  </a:schemeClr>
+                </a:solidFill>
+              </a:rPr>
+              <a:t>cấu</a:t>
+            </a:r>
+            <a:r>
+              <a:rPr lang="en-US" sz="1600" dirty="0" smtClean="0">
+                <a:solidFill>
+                  <a:schemeClr val="accent5">
+                    <a:lumMod val="75000"/>
+                  </a:schemeClr>
+                </a:solidFill>
+              </a:rPr>
+              <a:t> </a:t>
+            </a:r>
+            <a:r>
+              <a:rPr lang="en-US" sz="1600" dirty="0" err="1" smtClean="0">
+                <a:solidFill>
+                  <a:schemeClr val="accent5">
+                    <a:lumMod val="75000"/>
+                  </a:schemeClr>
+                </a:solidFill>
+              </a:rPr>
+              <a:t>trúc</a:t>
+            </a:r>
+            <a:r>
+              <a:rPr lang="en-US" sz="1600" dirty="0" smtClean="0">
+                <a:solidFill>
+                  <a:schemeClr val="accent5">
+                    <a:lumMod val="75000"/>
+                  </a:schemeClr>
+                </a:solidFill>
+              </a:rPr>
+              <a:t> </a:t>
+            </a:r>
+            <a:r>
+              <a:rPr lang="en-US" sz="1600" dirty="0" err="1" smtClean="0">
+                <a:solidFill>
+                  <a:schemeClr val="accent5">
+                    <a:lumMod val="75000"/>
+                  </a:schemeClr>
+                </a:solidFill>
+              </a:rPr>
+              <a:t>nhân</a:t>
+            </a:r>
+            <a:r>
+              <a:rPr lang="en-US" sz="1600" dirty="0" smtClean="0">
+                <a:solidFill>
+                  <a:schemeClr val="accent5">
+                    <a:lumMod val="75000"/>
+                  </a:schemeClr>
+                </a:solidFill>
+              </a:rPr>
+              <a:t> </a:t>
+            </a:r>
+            <a:r>
+              <a:rPr lang="en-US" sz="1600" dirty="0" err="1" smtClean="0">
+                <a:solidFill>
+                  <a:schemeClr val="accent5">
+                    <a:lumMod val="75000"/>
+                  </a:schemeClr>
+                </a:solidFill>
+              </a:rPr>
+              <a:t>viên</a:t>
+            </a:r>
+            <a:r>
+              <a:rPr lang="en-US" sz="1600" dirty="0" smtClean="0">
+                <a:solidFill>
+                  <a:schemeClr val="accent5">
+                    <a:lumMod val="75000"/>
+                  </a:schemeClr>
+                </a:solidFill>
+              </a:rPr>
+              <a:t> </a:t>
+            </a:r>
+            <a:r>
+              <a:rPr lang="en-US" sz="1600" dirty="0" err="1" smtClean="0">
+                <a:solidFill>
+                  <a:schemeClr val="accent5">
+                    <a:lumMod val="75000"/>
+                  </a:schemeClr>
+                </a:solidFill>
+              </a:rPr>
+              <a:t>sau</a:t>
+            </a:r>
+            <a:endParaRPr lang="vi-VN" sz="1600" dirty="0">
+              <a:solidFill>
+                <a:schemeClr val="accent5">
+                  <a:lumMod val="75000"/>
+                </a:schemeClr>
+              </a:solidFill>
+            </a:endParaRPr>
+          </a:p>
+        </p:txBody>
+      </p:sp>
+      <p:pic>
+        <p:nvPicPr>
+          <p:cNvPr id="1026" name="Picture 2" descr="PostgreSQL Self Join - Reporting Structure"/>
+          <p:cNvPicPr>
+            <a:picLocks noChangeAspect="1" noChangeArrowheads="1"/>
+          </p:cNvPicPr>
+          <p:nvPr/>
+        </p:nvPicPr>
+        <p:blipFill>
+          <a:blip r:embed="rId2">
+            <a:extLst>
+              <a:ext uri="{28A0092B-C50C-407E-A947-70E740481C1C}">
+                <a14:useLocalDpi xmlns:a14="http://schemas.microsoft.com/office/drawing/2010/main" val="0"/>
+              </a:ext>
+            </a:extLst>
+          </a:blip>
+          <a:srcRect/>
+          <a:stretch>
+            <a:fillRect/>
+          </a:stretch>
+        </p:blipFill>
+        <p:spPr bwMode="auto">
+          <a:xfrm>
+            <a:off x="1088083" y="936682"/>
+            <a:ext cx="6443767" cy="2748078"/>
+          </a:xfrm>
+          <a:prstGeom prst="rect">
+            <a:avLst/>
+          </a:prstGeom>
+          <a:noFill/>
+          <a:extLst>
+            <a:ext uri="{909E8E84-426E-40DD-AFC4-6F175D3DCCD1}">
+              <a14:hiddenFill xmlns:a14="http://schemas.microsoft.com/office/drawing/2010/main">
+                <a:solidFill>
+                  <a:srgbClr val="FFFFFF"/>
+                </a:solidFill>
+              </a14:hiddenFill>
+            </a:ext>
+          </a:extLst>
+        </p:spPr>
+      </p:pic>
+      <p:pic>
+        <p:nvPicPr>
+          <p:cNvPr id="2" name="Picture 1"/>
+          <p:cNvPicPr>
+            <a:picLocks noChangeAspect="1"/>
+          </p:cNvPicPr>
+          <p:nvPr/>
+        </p:nvPicPr>
+        <p:blipFill>
+          <a:blip r:embed="rId3"/>
+          <a:stretch>
+            <a:fillRect/>
+          </a:stretch>
+        </p:blipFill>
+        <p:spPr>
+          <a:xfrm>
+            <a:off x="1088083" y="4023314"/>
+            <a:ext cx="4476750" cy="2362200"/>
+          </a:xfrm>
+          <a:prstGeom prst="rect">
+            <a:avLst/>
+          </a:prstGeom>
+        </p:spPr>
+      </p:pic>
+      <p:sp>
+        <p:nvSpPr>
+          <p:cNvPr id="7" name="TextBox 6"/>
+          <p:cNvSpPr txBox="1"/>
+          <p:nvPr/>
+        </p:nvSpPr>
+        <p:spPr>
+          <a:xfrm>
+            <a:off x="3041274" y="1121347"/>
+            <a:ext cx="978465" cy="307777"/>
+          </a:xfrm>
+          <a:prstGeom prst="rect">
+            <a:avLst/>
+          </a:prstGeom>
+          <a:noFill/>
+        </p:spPr>
+        <p:txBody>
+          <a:bodyPr wrap="square" rtlCol="0">
+            <a:spAutoFit/>
+          </a:bodyPr>
+          <a:lstStyle/>
+          <a:p>
+            <a:r>
+              <a:rPr lang="en-US" sz="1400" i="1" dirty="0" err="1" smtClean="0">
+                <a:solidFill>
+                  <a:srgbClr val="FF0000"/>
+                </a:solidFill>
+              </a:rPr>
+              <a:t>Giám</a:t>
+            </a:r>
+            <a:r>
+              <a:rPr lang="en-US" sz="1400" i="1" dirty="0" smtClean="0">
+                <a:solidFill>
+                  <a:srgbClr val="FF0000"/>
+                </a:solidFill>
+              </a:rPr>
+              <a:t> </a:t>
+            </a:r>
+            <a:r>
+              <a:rPr lang="en-US" sz="1400" i="1" dirty="0" err="1" smtClean="0">
+                <a:solidFill>
+                  <a:srgbClr val="FF0000"/>
+                </a:solidFill>
+              </a:rPr>
+              <a:t>đốc</a:t>
+            </a:r>
+            <a:endParaRPr lang="en-US" sz="1400" i="1" dirty="0">
+              <a:solidFill>
+                <a:srgbClr val="FF0000"/>
+              </a:solidFill>
+            </a:endParaRPr>
+          </a:p>
+        </p:txBody>
+      </p:sp>
+      <p:sp>
+        <p:nvSpPr>
+          <p:cNvPr id="17" name="TextBox 16"/>
+          <p:cNvSpPr txBox="1"/>
+          <p:nvPr/>
+        </p:nvSpPr>
+        <p:spPr>
+          <a:xfrm>
+            <a:off x="787650" y="2156832"/>
+            <a:ext cx="1530037" cy="523220"/>
+          </a:xfrm>
+          <a:prstGeom prst="rect">
+            <a:avLst/>
+          </a:prstGeom>
+          <a:noFill/>
+        </p:spPr>
+        <p:txBody>
+          <a:bodyPr wrap="square" rtlCol="0">
+            <a:spAutoFit/>
+          </a:bodyPr>
+          <a:lstStyle/>
+          <a:p>
+            <a:pPr algn="ctr"/>
+            <a:r>
+              <a:rPr lang="en-US" sz="1400" i="1" dirty="0" err="1" smtClean="0">
+                <a:solidFill>
+                  <a:schemeClr val="accent2">
+                    <a:lumMod val="75000"/>
+                  </a:schemeClr>
+                </a:solidFill>
+              </a:rPr>
+              <a:t>Trưởng</a:t>
+            </a:r>
+            <a:r>
+              <a:rPr lang="en-US" sz="1400" i="1" dirty="0" smtClean="0">
+                <a:solidFill>
+                  <a:schemeClr val="accent2">
+                    <a:lumMod val="75000"/>
+                  </a:schemeClr>
+                </a:solidFill>
+              </a:rPr>
+              <a:t> </a:t>
+            </a:r>
+            <a:r>
+              <a:rPr lang="en-US" sz="1400" i="1" dirty="0" err="1" smtClean="0">
+                <a:solidFill>
+                  <a:schemeClr val="accent2">
+                    <a:lumMod val="75000"/>
+                  </a:schemeClr>
+                </a:solidFill>
+              </a:rPr>
+              <a:t>phòng</a:t>
+            </a:r>
+            <a:endParaRPr lang="en-US" sz="1400" i="1" dirty="0">
+              <a:solidFill>
+                <a:schemeClr val="accent2">
+                  <a:lumMod val="75000"/>
+                </a:schemeClr>
+              </a:solidFill>
+            </a:endParaRPr>
+          </a:p>
+          <a:p>
+            <a:pPr algn="ctr"/>
+            <a:r>
+              <a:rPr lang="en-US" sz="1400" i="1" dirty="0" smtClean="0">
+                <a:solidFill>
+                  <a:schemeClr val="accent2">
+                    <a:lumMod val="75000"/>
+                  </a:schemeClr>
+                </a:solidFill>
+              </a:rPr>
+              <a:t>A</a:t>
+            </a:r>
+            <a:endParaRPr lang="en-US" sz="1400" i="1" dirty="0">
+              <a:solidFill>
+                <a:schemeClr val="accent2">
+                  <a:lumMod val="75000"/>
+                </a:schemeClr>
+              </a:solidFill>
+            </a:endParaRPr>
+          </a:p>
+        </p:txBody>
+      </p:sp>
+      <p:sp>
+        <p:nvSpPr>
+          <p:cNvPr id="18" name="TextBox 17"/>
+          <p:cNvSpPr txBox="1"/>
+          <p:nvPr/>
+        </p:nvSpPr>
+        <p:spPr>
+          <a:xfrm>
+            <a:off x="7242770" y="2156832"/>
+            <a:ext cx="1530037" cy="523220"/>
+          </a:xfrm>
+          <a:prstGeom prst="rect">
+            <a:avLst/>
+          </a:prstGeom>
+          <a:noFill/>
+        </p:spPr>
+        <p:txBody>
+          <a:bodyPr wrap="square" rtlCol="0">
+            <a:spAutoFit/>
+          </a:bodyPr>
+          <a:lstStyle/>
+          <a:p>
+            <a:pPr algn="ctr"/>
+            <a:r>
+              <a:rPr lang="en-US" sz="1400" i="1" dirty="0" err="1" smtClean="0">
+                <a:solidFill>
+                  <a:schemeClr val="accent2">
+                    <a:lumMod val="75000"/>
+                  </a:schemeClr>
+                </a:solidFill>
+              </a:rPr>
+              <a:t>Trưởng</a:t>
+            </a:r>
+            <a:r>
+              <a:rPr lang="en-US" sz="1400" i="1" dirty="0" smtClean="0">
+                <a:solidFill>
+                  <a:schemeClr val="accent2">
+                    <a:lumMod val="75000"/>
+                  </a:schemeClr>
+                </a:solidFill>
+              </a:rPr>
+              <a:t> </a:t>
+            </a:r>
+            <a:r>
+              <a:rPr lang="en-US" sz="1400" i="1" dirty="0" err="1" smtClean="0">
+                <a:solidFill>
+                  <a:schemeClr val="accent2">
+                    <a:lumMod val="75000"/>
+                  </a:schemeClr>
+                </a:solidFill>
+              </a:rPr>
+              <a:t>phòng</a:t>
+            </a:r>
+            <a:endParaRPr lang="en-US" sz="1400" i="1" dirty="0" smtClean="0">
+              <a:solidFill>
+                <a:schemeClr val="accent2">
+                  <a:lumMod val="75000"/>
+                </a:schemeClr>
+              </a:solidFill>
+            </a:endParaRPr>
+          </a:p>
+          <a:p>
+            <a:pPr algn="ctr"/>
+            <a:r>
+              <a:rPr lang="en-US" sz="1400" i="1" dirty="0" smtClean="0">
+                <a:solidFill>
+                  <a:schemeClr val="accent2">
+                    <a:lumMod val="75000"/>
+                  </a:schemeClr>
+                </a:solidFill>
+              </a:rPr>
+              <a:t> B</a:t>
+            </a:r>
+            <a:endParaRPr lang="en-US" sz="1400" i="1" dirty="0">
+              <a:solidFill>
+                <a:schemeClr val="accent2">
+                  <a:lumMod val="75000"/>
+                </a:schemeClr>
+              </a:solidFill>
+            </a:endParaRPr>
+          </a:p>
+        </p:txBody>
+      </p:sp>
+    </p:spTree>
+    <p:extLst>
+      <p:ext uri="{BB962C8B-B14F-4D97-AF65-F5344CB8AC3E}">
+        <p14:creationId xmlns:p14="http://schemas.microsoft.com/office/powerpoint/2010/main" val="3728400626"/>
+      </p:ext>
+    </p:extLst>
+  </p:cSld>
+  <p:clrMapOvr>
+    <a:masterClrMapping/>
+  </p:clrMapOvr>
+  <p:timing>
+    <p:tnLst>
+      <p:par>
+        <p:cTn id="1" dur="indefinite" restart="never" nodeType="tmRoot"/>
+      </p:par>
+    </p:tnLst>
+  </p:timing>
+</p:sld>
+</file>
+
+<file path=ppt/slides/slide14.xml><?xml version="1.0" encoding="utf-8"?>
+<p:sld xmlns:a="http://schemas.openxmlformats.org/drawingml/2006/main" xmlns:r="http://schemas.openxmlformats.org/officeDocument/2006/relationships" xmlns:p="http://schemas.openxmlformats.org/presentationml/2006/main">
+  <p:cSld>
+    <p:spTree>
+      <p:nvGrpSpPr>
+        <p:cNvPr id="1" name=""/>
+        <p:cNvGrpSpPr/>
+        <p:nvPr/>
+      </p:nvGrpSpPr>
+      <p:grpSpPr>
+        <a:xfrm>
+          <a:off x="0" y="0"/>
+          <a:ext cx="0" cy="0"/>
+          <a:chOff x="0" y="0"/>
+          <a:chExt cx="0" cy="0"/>
+        </a:xfrm>
+      </p:grpSpPr>
+      <p:sp>
+        <p:nvSpPr>
+          <p:cNvPr id="13" name="Rounded Rectangle 12"/>
+          <p:cNvSpPr/>
+          <p:nvPr/>
+        </p:nvSpPr>
+        <p:spPr>
+          <a:xfrm>
+            <a:off x="923868" y="718455"/>
+            <a:ext cx="7296263" cy="3364658"/>
+          </a:xfrm>
+          <a:prstGeom prst="roundRect">
+            <a:avLst>
+              <a:gd name="adj" fmla="val 3686"/>
+            </a:avLst>
+          </a:prstGeom>
+          <a:solidFill>
+            <a:srgbClr val="1C1E26"/>
+          </a:solidFill>
+          <a:ln>
+            <a:solidFill>
+              <a:schemeClr val="accent1">
+                <a:lumMod val="60000"/>
+                <a:lumOff val="40000"/>
+              </a:schemeClr>
+            </a:solidFill>
+          </a:ln>
+        </p:spPr>
+        <p:style>
+          <a:lnRef idx="2">
+            <a:schemeClr val="accent1">
+              <a:shade val="50000"/>
+            </a:schemeClr>
+          </a:lnRef>
+          <a:fillRef idx="1">
+            <a:schemeClr val="accent1"/>
+          </a:fillRef>
+          <a:effectRef idx="0">
+            <a:schemeClr val="accent1"/>
+          </a:effectRef>
+          <a:fontRef idx="minor">
+            <a:schemeClr val="lt1"/>
+          </a:fontRef>
+        </p:style>
+        <p:txBody>
+          <a:bodyPr rtlCol="0" anchor="t"/>
+          <a:lstStyle/>
+          <a:p>
+            <a:pPr>
+              <a:lnSpc>
+                <a:spcPct val="150000"/>
+              </a:lnSpc>
+            </a:pPr>
+            <a:endParaRPr lang="en-US" sz="1400" dirty="0">
+              <a:solidFill>
+                <a:schemeClr val="accent5">
+                  <a:lumMod val="50000"/>
+                </a:schemeClr>
+              </a:solidFill>
+            </a:endParaRPr>
+          </a:p>
+        </p:txBody>
+      </p:sp>
+      <p:pic>
+        <p:nvPicPr>
+          <p:cNvPr id="3" name="Picture 2"/>
+          <p:cNvPicPr>
+            <a:picLocks noChangeAspect="1"/>
+          </p:cNvPicPr>
+          <p:nvPr/>
+        </p:nvPicPr>
+        <p:blipFill>
+          <a:blip r:embed="rId2"/>
+          <a:stretch>
+            <a:fillRect/>
+          </a:stretch>
+        </p:blipFill>
+        <p:spPr>
+          <a:xfrm>
+            <a:off x="1049353" y="776771"/>
+            <a:ext cx="5886450" cy="3248025"/>
+          </a:xfrm>
+          <a:prstGeom prst="rect">
+            <a:avLst/>
+          </a:prstGeom>
+        </p:spPr>
+      </p:pic>
+      <p:sp>
+        <p:nvSpPr>
+          <p:cNvPr id="10" name="TextBox 9"/>
+          <p:cNvSpPr txBox="1"/>
+          <p:nvPr/>
+        </p:nvSpPr>
+        <p:spPr>
+          <a:xfrm>
+            <a:off x="787650" y="4291941"/>
+            <a:ext cx="7677340" cy="1077218"/>
+          </a:xfrm>
+          <a:prstGeom prst="rect">
+            <a:avLst/>
+          </a:prstGeom>
+          <a:noFill/>
+        </p:spPr>
+        <p:txBody>
+          <a:bodyPr wrap="square" rtlCol="0">
+            <a:spAutoFit/>
+          </a:bodyPr>
+          <a:lstStyle/>
+          <a:p>
+            <a:r>
+              <a:rPr lang="vi-VN" sz="1600" dirty="0">
+                <a:solidFill>
+                  <a:schemeClr val="accent5">
+                    <a:lumMod val="75000"/>
+                  </a:schemeClr>
+                </a:solidFill>
+              </a:rPr>
+              <a:t>Trong bảng </a:t>
+            </a:r>
+            <a:r>
+              <a:rPr lang="en-US" sz="1600" b="1" dirty="0" smtClean="0">
+                <a:solidFill>
+                  <a:schemeClr val="accent5">
+                    <a:lumMod val="75000"/>
+                  </a:schemeClr>
+                </a:solidFill>
+              </a:rPr>
+              <a:t>employee</a:t>
+            </a:r>
+            <a:r>
+              <a:rPr lang="en-US" sz="1600" dirty="0" smtClean="0">
+                <a:solidFill>
+                  <a:schemeClr val="accent5">
+                    <a:lumMod val="75000"/>
+                  </a:schemeClr>
+                </a:solidFill>
+              </a:rPr>
+              <a:t> </a:t>
+            </a:r>
+            <a:r>
+              <a:rPr lang="vi-VN" sz="1600" dirty="0" smtClean="0">
+                <a:solidFill>
+                  <a:schemeClr val="accent5">
+                    <a:lumMod val="75000"/>
+                  </a:schemeClr>
+                </a:solidFill>
+              </a:rPr>
+              <a:t>này</a:t>
+            </a:r>
+            <a:r>
+              <a:rPr lang="vi-VN" sz="1600" dirty="0">
+                <a:solidFill>
+                  <a:schemeClr val="accent5">
+                    <a:lumMod val="75000"/>
+                  </a:schemeClr>
+                </a:solidFill>
+              </a:rPr>
+              <a:t>, cột manager_id tham chiếu đến cột </a:t>
+            </a:r>
+            <a:r>
+              <a:rPr lang="en-US" sz="1600" dirty="0" smtClean="0">
+                <a:solidFill>
+                  <a:schemeClr val="accent5">
+                    <a:lumMod val="75000"/>
+                  </a:schemeClr>
+                </a:solidFill>
+              </a:rPr>
+              <a:t>employee</a:t>
+            </a:r>
+            <a:r>
+              <a:rPr lang="vi-VN" sz="1600" dirty="0" smtClean="0">
+                <a:solidFill>
+                  <a:schemeClr val="accent5">
+                    <a:lumMod val="75000"/>
+                  </a:schemeClr>
+                </a:solidFill>
+              </a:rPr>
+              <a:t>_id</a:t>
+            </a:r>
+            <a:r>
+              <a:rPr lang="vi-VN" sz="1600" dirty="0">
+                <a:solidFill>
+                  <a:schemeClr val="accent5">
+                    <a:lumMod val="75000"/>
+                  </a:schemeClr>
+                </a:solidFill>
+              </a:rPr>
+              <a:t>. Giá trị trong cột manager_id hiển thị người quản lý </a:t>
+            </a:r>
+            <a:r>
+              <a:rPr lang="en-US" sz="1600" dirty="0" err="1" smtClean="0">
+                <a:solidFill>
+                  <a:schemeClr val="accent5">
+                    <a:lumMod val="75000"/>
+                  </a:schemeClr>
+                </a:solidFill>
+              </a:rPr>
+              <a:t>trực</a:t>
+            </a:r>
+            <a:r>
+              <a:rPr lang="en-US" sz="1600" dirty="0" smtClean="0">
+                <a:solidFill>
+                  <a:schemeClr val="accent5">
+                    <a:lumMod val="75000"/>
+                  </a:schemeClr>
+                </a:solidFill>
+              </a:rPr>
+              <a:t> </a:t>
+            </a:r>
+            <a:r>
+              <a:rPr lang="en-US" sz="1600" dirty="0" err="1" smtClean="0">
+                <a:solidFill>
+                  <a:schemeClr val="accent5">
+                    <a:lumMod val="75000"/>
+                  </a:schemeClr>
+                </a:solidFill>
+              </a:rPr>
+              <a:t>tiếp</a:t>
+            </a:r>
+            <a:r>
+              <a:rPr lang="en-US" sz="1600" dirty="0" smtClean="0">
+                <a:solidFill>
+                  <a:schemeClr val="accent5">
+                    <a:lumMod val="75000"/>
+                  </a:schemeClr>
+                </a:solidFill>
+              </a:rPr>
+              <a:t> </a:t>
+            </a:r>
+            <a:r>
+              <a:rPr lang="en-US" sz="1600" dirty="0" err="1" smtClean="0">
+                <a:solidFill>
+                  <a:schemeClr val="accent5">
+                    <a:lumMod val="75000"/>
+                  </a:schemeClr>
+                </a:solidFill>
+              </a:rPr>
+              <a:t>của</a:t>
+            </a:r>
+            <a:r>
+              <a:rPr lang="en-US" sz="1600" dirty="0" smtClean="0">
+                <a:solidFill>
+                  <a:schemeClr val="accent5">
+                    <a:lumMod val="75000"/>
+                  </a:schemeClr>
+                </a:solidFill>
+              </a:rPr>
+              <a:t> </a:t>
+            </a:r>
+            <a:r>
+              <a:rPr lang="en-US" sz="1600" dirty="0" err="1" smtClean="0">
+                <a:solidFill>
+                  <a:schemeClr val="accent5">
+                    <a:lumMod val="75000"/>
+                  </a:schemeClr>
+                </a:solidFill>
+              </a:rPr>
+              <a:t>mình</a:t>
+            </a:r>
+            <a:r>
+              <a:rPr lang="vi-VN" sz="1600" dirty="0" smtClean="0">
+                <a:solidFill>
+                  <a:schemeClr val="accent5">
+                    <a:lumMod val="75000"/>
+                  </a:schemeClr>
+                </a:solidFill>
+              </a:rPr>
+              <a:t>. </a:t>
+            </a:r>
+            <a:r>
+              <a:rPr lang="vi-VN" sz="1600" dirty="0">
+                <a:solidFill>
+                  <a:schemeClr val="accent5">
+                    <a:lumMod val="75000"/>
+                  </a:schemeClr>
+                </a:solidFill>
+              </a:rPr>
+              <a:t>Khi giá trị trong cột manager_id là null, nhân viên đó sẽ không </a:t>
+            </a:r>
+            <a:r>
+              <a:rPr lang="en-US" sz="1600" dirty="0" err="1" smtClean="0">
+                <a:solidFill>
+                  <a:schemeClr val="accent5">
+                    <a:lumMod val="75000"/>
+                  </a:schemeClr>
+                </a:solidFill>
+              </a:rPr>
+              <a:t>có</a:t>
+            </a:r>
+            <a:r>
+              <a:rPr lang="en-US" sz="1600" dirty="0" smtClean="0">
+                <a:solidFill>
+                  <a:schemeClr val="accent5">
+                    <a:lumMod val="75000"/>
+                  </a:schemeClr>
+                </a:solidFill>
+              </a:rPr>
+              <a:t> </a:t>
+            </a:r>
+            <a:r>
+              <a:rPr lang="en-US" sz="1600" dirty="0" err="1" smtClean="0">
+                <a:solidFill>
+                  <a:schemeClr val="accent5">
+                    <a:lumMod val="75000"/>
+                  </a:schemeClr>
+                </a:solidFill>
+              </a:rPr>
+              <a:t>cấp</a:t>
+            </a:r>
+            <a:r>
+              <a:rPr lang="en-US" sz="1600" dirty="0" smtClean="0">
+                <a:solidFill>
+                  <a:schemeClr val="accent5">
+                    <a:lumMod val="75000"/>
+                  </a:schemeClr>
+                </a:solidFill>
+              </a:rPr>
+              <a:t> </a:t>
+            </a:r>
+            <a:r>
+              <a:rPr lang="en-US" sz="1600" dirty="0" err="1" smtClean="0">
+                <a:solidFill>
+                  <a:schemeClr val="accent5">
+                    <a:lumMod val="75000"/>
+                  </a:schemeClr>
+                </a:solidFill>
+              </a:rPr>
+              <a:t>quản</a:t>
+            </a:r>
+            <a:r>
+              <a:rPr lang="en-US" sz="1600" dirty="0" smtClean="0">
+                <a:solidFill>
+                  <a:schemeClr val="accent5">
+                    <a:lumMod val="75000"/>
+                  </a:schemeClr>
+                </a:solidFill>
+              </a:rPr>
+              <a:t> </a:t>
+            </a:r>
+            <a:r>
+              <a:rPr lang="en-US" sz="1600" dirty="0" err="1" smtClean="0">
+                <a:solidFill>
+                  <a:schemeClr val="accent5">
+                    <a:lumMod val="75000"/>
+                  </a:schemeClr>
+                </a:solidFill>
+              </a:rPr>
+              <a:t>lý</a:t>
+            </a:r>
+            <a:r>
+              <a:rPr lang="vi-VN" sz="1600" dirty="0" smtClean="0">
+                <a:solidFill>
+                  <a:schemeClr val="accent5">
+                    <a:lumMod val="75000"/>
+                  </a:schemeClr>
+                </a:solidFill>
+              </a:rPr>
+              <a:t>. </a:t>
+            </a:r>
+            <a:r>
+              <a:rPr lang="vi-VN" sz="1600" dirty="0">
+                <a:solidFill>
+                  <a:schemeClr val="accent5">
+                    <a:lumMod val="75000"/>
+                  </a:schemeClr>
+                </a:solidFill>
+              </a:rPr>
+              <a:t>Nói cách khác, anh ấy hoặc cô ấy là người quản lý hàng đầu.</a:t>
+            </a:r>
+            <a:endParaRPr lang="vi-VN" sz="1600" dirty="0">
+              <a:solidFill>
+                <a:schemeClr val="accent5">
+                  <a:lumMod val="75000"/>
+                </a:schemeClr>
+              </a:solidFill>
+            </a:endParaRPr>
+          </a:p>
+        </p:txBody>
+      </p:sp>
+    </p:spTree>
+    <p:extLst>
+      <p:ext uri="{BB962C8B-B14F-4D97-AF65-F5344CB8AC3E}">
+        <p14:creationId xmlns:p14="http://schemas.microsoft.com/office/powerpoint/2010/main" val="3290622643"/>
+      </p:ext>
+    </p:extLst>
+  </p:cSld>
+  <p:clrMapOvr>
+    <a:masterClrMapping/>
+  </p:clrMapOvr>
+  <p:timing>
+    <p:tnLst>
+      <p:par>
+        <p:cTn id="1" dur="indefinite" restart="never" nodeType="tmRoot"/>
+      </p:par>
+    </p:tnLst>
+  </p:timing>
+</p:sld>
+</file>
+
+<file path=ppt/slides/slide15.xml><?xml version="1.0" encoding="utf-8"?>
+<p:sld xmlns:a="http://schemas.openxmlformats.org/drawingml/2006/main" xmlns:r="http://schemas.openxmlformats.org/officeDocument/2006/relationships" xmlns:p="http://schemas.openxmlformats.org/presentationml/2006/main">
+  <p:cSld>
+    <p:spTree>
+      <p:nvGrpSpPr>
+        <p:cNvPr id="1" name=""/>
+        <p:cNvGrpSpPr/>
+        <p:nvPr/>
+      </p:nvGrpSpPr>
+      <p:grpSpPr>
+        <a:xfrm>
+          <a:off x="0" y="0"/>
+          <a:ext cx="0" cy="0"/>
+          <a:chOff x="0" y="0"/>
+          <a:chExt cx="0" cy="0"/>
+        </a:xfrm>
+      </p:grpSpPr>
+      <p:sp>
+        <p:nvSpPr>
+          <p:cNvPr id="13" name="Rounded Rectangle 12"/>
+          <p:cNvSpPr/>
+          <p:nvPr/>
+        </p:nvSpPr>
+        <p:spPr>
+          <a:xfrm>
+            <a:off x="923868" y="1089647"/>
+            <a:ext cx="7296263" cy="2133387"/>
+          </a:xfrm>
+          <a:prstGeom prst="roundRect">
+            <a:avLst>
+              <a:gd name="adj" fmla="val 3686"/>
+            </a:avLst>
+          </a:prstGeom>
+          <a:solidFill>
+            <a:srgbClr val="1C1E26"/>
+          </a:solidFill>
+          <a:ln>
+            <a:solidFill>
+              <a:schemeClr val="accent1">
+                <a:lumMod val="60000"/>
+                <a:lumOff val="40000"/>
+              </a:schemeClr>
+            </a:solidFill>
+          </a:ln>
+        </p:spPr>
+        <p:style>
+          <a:lnRef idx="2">
+            <a:schemeClr val="accent1">
+              <a:shade val="50000"/>
+            </a:schemeClr>
+          </a:lnRef>
+          <a:fillRef idx="1">
+            <a:schemeClr val="accent1"/>
+          </a:fillRef>
+          <a:effectRef idx="0">
+            <a:schemeClr val="accent1"/>
+          </a:effectRef>
+          <a:fontRef idx="minor">
+            <a:schemeClr val="lt1"/>
+          </a:fontRef>
+        </p:style>
+        <p:txBody>
+          <a:bodyPr rtlCol="0" anchor="t"/>
+          <a:lstStyle/>
+          <a:p>
+            <a:pPr>
+              <a:lnSpc>
+                <a:spcPct val="150000"/>
+              </a:lnSpc>
+            </a:pPr>
+            <a:endParaRPr lang="en-US" sz="1400" dirty="0">
+              <a:solidFill>
+                <a:schemeClr val="accent5">
+                  <a:lumMod val="50000"/>
+                </a:schemeClr>
+              </a:solidFill>
+            </a:endParaRPr>
+          </a:p>
+        </p:txBody>
+      </p:sp>
+      <p:sp>
+        <p:nvSpPr>
+          <p:cNvPr id="10" name="TextBox 9"/>
+          <p:cNvSpPr txBox="1"/>
+          <p:nvPr/>
+        </p:nvSpPr>
+        <p:spPr>
+          <a:xfrm>
+            <a:off x="1990469" y="3921717"/>
+            <a:ext cx="2924269" cy="738664"/>
+          </a:xfrm>
+          <a:prstGeom prst="rect">
+            <a:avLst/>
+          </a:prstGeom>
+          <a:noFill/>
+        </p:spPr>
+        <p:txBody>
+          <a:bodyPr wrap="square" rtlCol="0">
+            <a:spAutoFit/>
+          </a:bodyPr>
+          <a:lstStyle/>
+          <a:p>
+            <a:r>
+              <a:rPr lang="en-US" sz="1400" dirty="0" smtClean="0">
+                <a:solidFill>
+                  <a:schemeClr val="accent5">
+                    <a:lumMod val="75000"/>
+                  </a:schemeClr>
+                </a:solidFill>
+              </a:rPr>
+              <a:t>Qua </a:t>
+            </a:r>
+            <a:r>
+              <a:rPr lang="en-US" sz="1400" dirty="0" err="1" smtClean="0">
+                <a:solidFill>
+                  <a:schemeClr val="accent5">
+                    <a:lumMod val="75000"/>
+                  </a:schemeClr>
+                </a:solidFill>
+              </a:rPr>
+              <a:t>đó</a:t>
+            </a:r>
+            <a:r>
+              <a:rPr lang="en-US" sz="1400" dirty="0" smtClean="0">
+                <a:solidFill>
+                  <a:schemeClr val="accent5">
+                    <a:lumMod val="75000"/>
+                  </a:schemeClr>
+                </a:solidFill>
+              </a:rPr>
+              <a:t> </a:t>
+            </a:r>
+            <a:r>
+              <a:rPr lang="en-US" sz="1400" dirty="0" err="1" smtClean="0">
+                <a:solidFill>
+                  <a:schemeClr val="accent5">
+                    <a:lumMod val="75000"/>
+                  </a:schemeClr>
+                </a:solidFill>
+              </a:rPr>
+              <a:t>bạn</a:t>
+            </a:r>
+            <a:r>
+              <a:rPr lang="en-US" sz="1400" dirty="0" smtClean="0">
+                <a:solidFill>
+                  <a:schemeClr val="accent5">
+                    <a:lumMod val="75000"/>
+                  </a:schemeClr>
+                </a:solidFill>
+              </a:rPr>
+              <a:t> </a:t>
+            </a:r>
+            <a:r>
+              <a:rPr lang="en-US" sz="1400" dirty="0" err="1" smtClean="0">
+                <a:solidFill>
+                  <a:schemeClr val="accent5">
+                    <a:lumMod val="75000"/>
+                  </a:schemeClr>
+                </a:solidFill>
+              </a:rPr>
+              <a:t>có</a:t>
+            </a:r>
+            <a:r>
+              <a:rPr lang="en-US" sz="1400" dirty="0" smtClean="0">
+                <a:solidFill>
+                  <a:schemeClr val="accent5">
+                    <a:lumMod val="75000"/>
+                  </a:schemeClr>
+                </a:solidFill>
+              </a:rPr>
+              <a:t> </a:t>
+            </a:r>
+            <a:r>
+              <a:rPr lang="en-US" sz="1400" dirty="0" err="1" smtClean="0">
+                <a:solidFill>
+                  <a:schemeClr val="accent5">
+                    <a:lumMod val="75000"/>
+                  </a:schemeClr>
+                </a:solidFill>
+              </a:rPr>
+              <a:t>thể</a:t>
+            </a:r>
+            <a:r>
+              <a:rPr lang="en-US" sz="1400" dirty="0" smtClean="0">
+                <a:solidFill>
+                  <a:schemeClr val="accent5">
+                    <a:lumMod val="75000"/>
+                  </a:schemeClr>
+                </a:solidFill>
+              </a:rPr>
+              <a:t> </a:t>
+            </a:r>
+            <a:r>
+              <a:rPr lang="en-US" sz="1400" dirty="0" err="1" smtClean="0">
+                <a:solidFill>
+                  <a:schemeClr val="accent5">
+                    <a:lumMod val="75000"/>
+                  </a:schemeClr>
+                </a:solidFill>
+              </a:rPr>
+              <a:t>truy</a:t>
+            </a:r>
+            <a:r>
+              <a:rPr lang="en-US" sz="1400" dirty="0" smtClean="0">
+                <a:solidFill>
+                  <a:schemeClr val="accent5">
+                    <a:lumMod val="75000"/>
+                  </a:schemeClr>
+                </a:solidFill>
+              </a:rPr>
+              <a:t> </a:t>
+            </a:r>
+            <a:r>
+              <a:rPr lang="en-US" sz="1400" dirty="0" err="1" smtClean="0">
+                <a:solidFill>
+                  <a:schemeClr val="accent5">
+                    <a:lumMod val="75000"/>
+                  </a:schemeClr>
+                </a:solidFill>
+              </a:rPr>
+              <a:t>vấn</a:t>
+            </a:r>
+            <a:r>
+              <a:rPr lang="en-US" sz="1400" dirty="0" smtClean="0">
+                <a:solidFill>
+                  <a:schemeClr val="accent5">
+                    <a:lumMod val="75000"/>
+                  </a:schemeClr>
+                </a:solidFill>
+              </a:rPr>
+              <a:t> </a:t>
+            </a:r>
+            <a:r>
+              <a:rPr lang="en-US" sz="1400" dirty="0" err="1" smtClean="0">
+                <a:solidFill>
+                  <a:schemeClr val="accent5">
+                    <a:lumMod val="75000"/>
+                  </a:schemeClr>
+                </a:solidFill>
+              </a:rPr>
+              <a:t>được</a:t>
+            </a:r>
+            <a:r>
+              <a:rPr lang="en-US" sz="1400" dirty="0" smtClean="0">
+                <a:solidFill>
+                  <a:schemeClr val="accent5">
+                    <a:lumMod val="75000"/>
+                  </a:schemeClr>
+                </a:solidFill>
+              </a:rPr>
+              <a:t>.</a:t>
+            </a:r>
+          </a:p>
+          <a:p>
+            <a:r>
+              <a:rPr lang="en-US" sz="1400" dirty="0" smtClean="0">
+                <a:solidFill>
+                  <a:schemeClr val="accent5">
+                    <a:lumMod val="75000"/>
+                  </a:schemeClr>
+                </a:solidFill>
+              </a:rPr>
+              <a:t> Ai </a:t>
+            </a:r>
+            <a:r>
+              <a:rPr lang="en-US" sz="1400" dirty="0" err="1" smtClean="0">
+                <a:solidFill>
+                  <a:schemeClr val="accent5">
+                    <a:lumMod val="75000"/>
+                  </a:schemeClr>
+                </a:solidFill>
+              </a:rPr>
+              <a:t>là</a:t>
+            </a:r>
+            <a:r>
+              <a:rPr lang="en-US" sz="1400" dirty="0" smtClean="0">
+                <a:solidFill>
+                  <a:schemeClr val="accent5">
+                    <a:lumMod val="75000"/>
+                  </a:schemeClr>
+                </a:solidFill>
+              </a:rPr>
+              <a:t> </a:t>
+            </a:r>
+            <a:r>
+              <a:rPr lang="en-US" sz="1400" dirty="0" err="1" smtClean="0">
+                <a:solidFill>
+                  <a:schemeClr val="accent5">
+                    <a:lumMod val="75000"/>
+                  </a:schemeClr>
+                </a:solidFill>
+              </a:rPr>
+              <a:t>cấp</a:t>
+            </a:r>
+            <a:r>
+              <a:rPr lang="en-US" sz="1400" dirty="0" smtClean="0">
+                <a:solidFill>
+                  <a:schemeClr val="accent5">
+                    <a:lumMod val="75000"/>
+                  </a:schemeClr>
+                </a:solidFill>
+              </a:rPr>
+              <a:t> </a:t>
+            </a:r>
+            <a:r>
+              <a:rPr lang="en-US" sz="1400" dirty="0" err="1" smtClean="0">
+                <a:solidFill>
+                  <a:schemeClr val="accent5">
+                    <a:lumMod val="75000"/>
+                  </a:schemeClr>
+                </a:solidFill>
+              </a:rPr>
+              <a:t>quản</a:t>
+            </a:r>
+            <a:r>
+              <a:rPr lang="en-US" sz="1400" dirty="0" smtClean="0">
+                <a:solidFill>
+                  <a:schemeClr val="accent5">
+                    <a:lumMod val="75000"/>
+                  </a:schemeClr>
+                </a:solidFill>
+              </a:rPr>
+              <a:t> </a:t>
+            </a:r>
+            <a:r>
+              <a:rPr lang="en-US" sz="1400" dirty="0" err="1" smtClean="0">
+                <a:solidFill>
+                  <a:schemeClr val="accent5">
+                    <a:lumMod val="75000"/>
+                  </a:schemeClr>
+                </a:solidFill>
+              </a:rPr>
+              <a:t>lý</a:t>
+            </a:r>
+            <a:r>
+              <a:rPr lang="en-US" sz="1400" dirty="0" smtClean="0">
+                <a:solidFill>
+                  <a:schemeClr val="accent5">
+                    <a:lumMod val="75000"/>
+                  </a:schemeClr>
+                </a:solidFill>
+              </a:rPr>
+              <a:t> </a:t>
+            </a:r>
+            <a:r>
+              <a:rPr lang="en-US" sz="1400" dirty="0" err="1" smtClean="0">
+                <a:solidFill>
+                  <a:schemeClr val="accent5">
+                    <a:lumMod val="75000"/>
+                  </a:schemeClr>
+                </a:solidFill>
+              </a:rPr>
+              <a:t>của</a:t>
+            </a:r>
+            <a:r>
+              <a:rPr lang="en-US" sz="1400" dirty="0" smtClean="0">
+                <a:solidFill>
+                  <a:schemeClr val="accent5">
+                    <a:lumMod val="75000"/>
+                  </a:schemeClr>
+                </a:solidFill>
+              </a:rPr>
+              <a:t> </a:t>
+            </a:r>
+          </a:p>
+          <a:p>
+            <a:r>
+              <a:rPr lang="en-US" sz="1400" dirty="0" err="1" smtClean="0">
+                <a:solidFill>
+                  <a:schemeClr val="accent5">
+                    <a:lumMod val="75000"/>
+                  </a:schemeClr>
+                </a:solidFill>
+              </a:rPr>
+              <a:t>một</a:t>
+            </a:r>
+            <a:r>
+              <a:rPr lang="en-US" sz="1400" dirty="0" smtClean="0">
+                <a:solidFill>
+                  <a:schemeClr val="accent5">
+                    <a:lumMod val="75000"/>
+                  </a:schemeClr>
+                </a:solidFill>
+              </a:rPr>
+              <a:t> </a:t>
+            </a:r>
+            <a:r>
+              <a:rPr lang="en-US" sz="1400" dirty="0" err="1" smtClean="0">
+                <a:solidFill>
+                  <a:schemeClr val="accent5">
+                    <a:lumMod val="75000"/>
+                  </a:schemeClr>
+                </a:solidFill>
+              </a:rPr>
+              <a:t>nhân</a:t>
+            </a:r>
+            <a:r>
+              <a:rPr lang="en-US" sz="1400" dirty="0" smtClean="0">
+                <a:solidFill>
+                  <a:schemeClr val="accent5">
+                    <a:lumMod val="75000"/>
+                  </a:schemeClr>
+                </a:solidFill>
+              </a:rPr>
+              <a:t> </a:t>
+            </a:r>
+            <a:r>
+              <a:rPr lang="en-US" sz="1400" dirty="0" err="1" smtClean="0">
+                <a:solidFill>
+                  <a:schemeClr val="accent5">
+                    <a:lumMod val="75000"/>
+                  </a:schemeClr>
+                </a:solidFill>
+              </a:rPr>
+              <a:t>viên</a:t>
+            </a:r>
+            <a:r>
+              <a:rPr lang="en-US" sz="1400" dirty="0" smtClean="0">
+                <a:solidFill>
+                  <a:schemeClr val="accent5">
+                    <a:lumMod val="75000"/>
+                  </a:schemeClr>
+                </a:solidFill>
+              </a:rPr>
+              <a:t>.</a:t>
+            </a:r>
+            <a:endParaRPr lang="vi-VN" sz="1400" dirty="0">
+              <a:solidFill>
+                <a:schemeClr val="accent5">
+                  <a:lumMod val="75000"/>
+                </a:schemeClr>
+              </a:solidFill>
+            </a:endParaRPr>
+          </a:p>
+        </p:txBody>
+      </p:sp>
+      <p:pic>
+        <p:nvPicPr>
+          <p:cNvPr id="2" name="Picture 1"/>
+          <p:cNvPicPr>
+            <a:picLocks noChangeAspect="1"/>
+          </p:cNvPicPr>
+          <p:nvPr/>
+        </p:nvPicPr>
+        <p:blipFill>
+          <a:blip r:embed="rId2"/>
+          <a:stretch>
+            <a:fillRect/>
+          </a:stretch>
+        </p:blipFill>
+        <p:spPr>
+          <a:xfrm>
+            <a:off x="1074203" y="1222830"/>
+            <a:ext cx="6162675" cy="1895475"/>
+          </a:xfrm>
+          <a:prstGeom prst="rect">
+            <a:avLst/>
+          </a:prstGeom>
+        </p:spPr>
+      </p:pic>
+      <p:pic>
+        <p:nvPicPr>
+          <p:cNvPr id="2050" name="Picture 2" descr="PostgreSQL Self-Join - query hierarchical data with left join"/>
+          <p:cNvPicPr>
+            <a:picLocks noChangeAspect="1" noChangeArrowheads="1"/>
+          </p:cNvPicPr>
+          <p:nvPr/>
+        </p:nvPicPr>
+        <p:blipFill>
+          <a:blip r:embed="rId3">
+            <a:extLst>
+              <a:ext uri="{28A0092B-C50C-407E-A947-70E740481C1C}">
+                <a14:useLocalDpi xmlns:a14="http://schemas.microsoft.com/office/drawing/2010/main" val="0"/>
+              </a:ext>
+            </a:extLst>
+          </a:blip>
+          <a:srcRect/>
+          <a:stretch>
+            <a:fillRect/>
+          </a:stretch>
+        </p:blipFill>
+        <p:spPr bwMode="auto">
+          <a:xfrm>
+            <a:off x="5067356" y="3356217"/>
+            <a:ext cx="3152775" cy="2286001"/>
+          </a:xfrm>
+          <a:prstGeom prst="rect">
+            <a:avLst/>
+          </a:prstGeom>
+          <a:noFill/>
+          <a:extLst>
+            <a:ext uri="{909E8E84-426E-40DD-AFC4-6F175D3DCCD1}">
+              <a14:hiddenFill xmlns:a14="http://schemas.microsoft.com/office/drawing/2010/main">
+                <a:solidFill>
+                  <a:srgbClr val="FFFFFF"/>
+                </a:solidFill>
+              </a14:hiddenFill>
+            </a:ext>
+          </a:extLst>
+        </p:spPr>
+      </p:pic>
+      <p:cxnSp>
+        <p:nvCxnSpPr>
+          <p:cNvPr id="5" name="Elbow Connector 4"/>
+          <p:cNvCxnSpPr/>
+          <p:nvPr/>
+        </p:nvCxnSpPr>
+        <p:spPr>
+          <a:xfrm>
+            <a:off x="1837853" y="3223034"/>
+            <a:ext cx="3229503" cy="1874067"/>
+          </a:xfrm>
+          <a:prstGeom prst="bentConnector3">
+            <a:avLst>
+              <a:gd name="adj1" fmla="val -180"/>
+            </a:avLst>
+          </a:prstGeom>
+          <a:ln w="19050">
+            <a:solidFill>
+              <a:srgbClr val="FF0000"/>
+            </a:solidFill>
+            <a:tailEnd type="triangle"/>
+          </a:ln>
+        </p:spPr>
+        <p:style>
+          <a:lnRef idx="1">
+            <a:schemeClr val="accent1"/>
+          </a:lnRef>
+          <a:fillRef idx="0">
+            <a:schemeClr val="accent1"/>
+          </a:fillRef>
+          <a:effectRef idx="0">
+            <a:schemeClr val="accent1"/>
+          </a:effectRef>
+          <a:fontRef idx="minor">
+            <a:schemeClr val="tx1"/>
+          </a:fontRef>
+        </p:style>
+      </p:cxnSp>
+    </p:spTree>
+    <p:extLst>
+      <p:ext uri="{BB962C8B-B14F-4D97-AF65-F5344CB8AC3E}">
+        <p14:creationId xmlns:p14="http://schemas.microsoft.com/office/powerpoint/2010/main" val="3491601126"/>
+      </p:ext>
+    </p:extLst>
+  </p:cSld>
+  <p:clrMapOvr>
+    <a:masterClrMapping/>
+  </p:clrMapOvr>
+  <p:timing>
+    <p:tnLst>
+      <p:par>
+        <p:cTn id="1" dur="indefinite" restart="never" nodeType="tmRoot"/>
+      </p:par>
+    </p:tnLst>
+  </p:timing>
+</p:sld>
+</file>
+
+<file path=ppt/slides/slide16.xml><?xml version="1.0" encoding="utf-8"?>
+<p:sld xmlns:a="http://schemas.openxmlformats.org/drawingml/2006/main" xmlns:r="http://schemas.openxmlformats.org/officeDocument/2006/relationships" xmlns:p="http://schemas.openxmlformats.org/presentationml/2006/main">
+  <p:cSld>
+    <p:spTree>
+      <p:nvGrpSpPr>
+        <p:cNvPr id="1" name=""/>
+        <p:cNvGrpSpPr/>
+        <p:nvPr/>
+      </p:nvGrpSpPr>
+      <p:grpSpPr>
+        <a:xfrm>
+          <a:off x="0" y="0"/>
+          <a:ext cx="0" cy="0"/>
+          <a:chOff x="0" y="0"/>
+          <a:chExt cx="0" cy="0"/>
+        </a:xfrm>
+      </p:grpSpPr>
+      <p:sp>
+        <p:nvSpPr>
           <p:cNvPr id="8" name="Rounded Rectangle 7"/>
           <p:cNvSpPr/>
           <p:nvPr/>
@@ -3689,36 +5786,60 @@
               <a:t> </a:t>
             </a:r>
             <a:r>
-              <a:rPr lang="en-US" sz="1600" dirty="0" err="1" smtClean="0">
+              <a:rPr lang="en-US" sz="1600" dirty="0" smtClean="0">
                 <a:solidFill>
                   <a:schemeClr val="bg1"/>
                 </a:solidFill>
               </a:rPr>
-              <a:t>mệnh</a:t>
-            </a:r>
-            <a:r>
-              <a:rPr lang="en-US" sz="1600" dirty="0" smtClean="0">
+              <a:t>Column Aliases </a:t>
+            </a:r>
+            <a:r>
+              <a:rPr lang="en-US" sz="1600" dirty="0" err="1" smtClean="0">
                 <a:solidFill>
                   <a:schemeClr val="bg1"/>
                 </a:solidFill>
               </a:rPr>
-              <a:t> </a:t>
-            </a:r>
-            <a:r>
-              <a:rPr lang="en-US" sz="1600" dirty="0" err="1" smtClean="0">
+              <a:t>trong</a:t>
+            </a:r>
+            <a:r>
+              <a:rPr lang="en-US" sz="1600" dirty="0" smtClean="0">
                 <a:solidFill>
                   <a:schemeClr val="bg1"/>
                 </a:solidFill>
               </a:rPr>
-              <a:t>đề</a:t>
-            </a:r>
-            <a:r>
-              <a:rPr lang="en-US" sz="1600" dirty="0" smtClean="0">
+              <a:t> </a:t>
+            </a:r>
+            <a:r>
+              <a:rPr lang="en-US" sz="1600" dirty="0" err="1" smtClean="0">
                 <a:solidFill>
                   <a:schemeClr val="bg1"/>
                 </a:solidFill>
               </a:rPr>
-              <a:t> WHERE</a:t>
+              <a:t>câu</a:t>
+            </a:r>
+            <a:r>
+              <a:rPr lang="en-US" sz="1600" dirty="0" smtClean="0">
+                <a:solidFill>
+                  <a:schemeClr val="bg1"/>
+                </a:solidFill>
+              </a:rPr>
+              <a:t> </a:t>
+            </a:r>
+            <a:r>
+              <a:rPr lang="en-US" sz="1600" dirty="0" err="1" smtClean="0">
+                <a:solidFill>
+                  <a:schemeClr val="bg1"/>
+                </a:solidFill>
+              </a:rPr>
+              <a:t>lệnh</a:t>
+            </a:r>
+            <a:r>
+              <a:rPr lang="en-US" sz="1600" dirty="0" smtClean="0">
+                <a:solidFill>
+                  <a:schemeClr val="bg1"/>
+                </a:solidFill>
+              </a:rPr>
+              <a:t> JOIN</a:t>
             </a:r>
             <a:endParaRPr lang="en-US" sz="1600" dirty="0">
               <a:solidFill>
@@ -3888,7 +6009,7 @@
                   <a:schemeClr val="bg1"/>
                 </a:solidFill>
               </a:rPr>
-              <a:t>mệnh</a:t>
+              <a:t>các</a:t>
             </a:r>
             <a:r>
               <a:rPr lang="en-US" sz="1600" dirty="0" smtClean="0">
@@ -3904,7 +6025,7 @@
                   <a:schemeClr val="bg1"/>
                 </a:solidFill>
               </a:rPr>
-              <a:t>đề</a:t>
+              <a:t>loại</a:t>
             </a:r>
             <a:r>
               <a:rPr lang="en-US" sz="1600" dirty="0" smtClean="0">
@@ -3912,209 +6033,7 @@
                   <a:schemeClr val="bg1"/>
                 </a:solidFill>
               </a:rPr>
-              <a:t> LIMIT</a:t>
-            </a:r>
-            <a:endParaRPr lang="en-US" sz="1600" dirty="0">
-              <a:solidFill>
-                <a:schemeClr val="bg1"/>
-              </a:solidFill>
-            </a:endParaRPr>
-          </a:p>
-        </p:txBody>
-      </p:sp>
-      <p:sp>
-        <p:nvSpPr>
-          <p:cNvPr id="19" name="Rounded Rectangle 18"/>
-          <p:cNvSpPr/>
-          <p:nvPr/>
-        </p:nvSpPr>
-        <p:spPr>
-          <a:xfrm>
-            <a:off x="905345" y="4290326"/>
-            <a:ext cx="350005" cy="350005"/>
-          </a:xfrm>
-          <a:prstGeom prst="roundRect">
-            <a:avLst/>
-          </a:prstGeom>
-          <a:solidFill>
-            <a:schemeClr val="bg1"/>
-          </a:solidFill>
-        </p:spPr>
-        <p:style>
-          <a:lnRef idx="2">
-            <a:schemeClr val="accent1">
-              <a:shade val="50000"/>
-            </a:schemeClr>
-          </a:lnRef>
-          <a:fillRef idx="1">
-            <a:schemeClr val="accent1"/>
-          </a:fillRef>
-          <a:effectRef idx="0">
-            <a:schemeClr val="accent1"/>
-          </a:effectRef>
-          <a:fontRef idx="minor">
-            <a:schemeClr val="lt1"/>
-          </a:fontRef>
-        </p:style>
-        <p:txBody>
-          <a:bodyPr rtlCol="0" anchor="ctr"/>
-          <a:lstStyle/>
-          <a:p>
-            <a:pPr algn="ctr"/>
-            <a:r>
-              <a:rPr lang="en-US" b="1" dirty="0">
-                <a:solidFill>
-                  <a:schemeClr val="accent5">
-                    <a:lumMod val="75000"/>
-                  </a:schemeClr>
-                </a:solidFill>
-              </a:rPr>
-              <a:t>3</a:t>
-            </a:r>
-          </a:p>
-        </p:txBody>
-      </p:sp>
-      <p:sp>
-        <p:nvSpPr>
-          <p:cNvPr id="24" name="TextBox 23"/>
-          <p:cNvSpPr txBox="1"/>
-          <p:nvPr/>
-        </p:nvSpPr>
-        <p:spPr>
-          <a:xfrm>
-            <a:off x="1318725" y="4290326"/>
-            <a:ext cx="6919928" cy="338554"/>
-          </a:xfrm>
-          <a:prstGeom prst="rect">
-            <a:avLst/>
-          </a:prstGeom>
-          <a:noFill/>
-        </p:spPr>
-        <p:txBody>
-          <a:bodyPr wrap="square" rtlCol="0">
-            <a:spAutoFit/>
-          </a:bodyPr>
-          <a:lstStyle/>
-          <a:p>
-            <a:r>
-              <a:rPr lang="en-US" sz="1600" dirty="0" err="1">
-                <a:solidFill>
-                  <a:schemeClr val="bg1"/>
-                </a:solidFill>
-              </a:rPr>
-              <a:t>Hiểu</a:t>
-            </a:r>
-            <a:r>
-              <a:rPr lang="en-US" sz="1600" dirty="0">
-                <a:solidFill>
-                  <a:schemeClr val="bg1"/>
-                </a:solidFill>
-              </a:rPr>
-              <a:t> </a:t>
-            </a:r>
-            <a:r>
-              <a:rPr lang="en-US" sz="1600" dirty="0" err="1">
-                <a:solidFill>
-                  <a:schemeClr val="bg1"/>
-                </a:solidFill>
-              </a:rPr>
-              <a:t>được</a:t>
-            </a:r>
-            <a:r>
-              <a:rPr lang="en-US" sz="1600" dirty="0">
-                <a:solidFill>
-                  <a:schemeClr val="bg1"/>
-                </a:solidFill>
-              </a:rPr>
-              <a:t> </a:t>
-            </a:r>
-            <a:r>
-              <a:rPr lang="en-US" sz="1600" dirty="0" err="1">
-                <a:solidFill>
-                  <a:schemeClr val="bg1"/>
-                </a:solidFill>
-              </a:rPr>
-              <a:t>cách</a:t>
-            </a:r>
-            <a:r>
-              <a:rPr lang="en-US" sz="1600" dirty="0">
-                <a:solidFill>
-                  <a:schemeClr val="bg1"/>
-                </a:solidFill>
-              </a:rPr>
-              <a:t> </a:t>
-            </a:r>
-            <a:r>
-              <a:rPr lang="en-US" sz="1600" dirty="0" err="1">
-                <a:solidFill>
-                  <a:schemeClr val="bg1"/>
-                </a:solidFill>
-              </a:rPr>
-              <a:t>sử</a:t>
-            </a:r>
-            <a:r>
-              <a:rPr lang="en-US" sz="1600" dirty="0">
-                <a:solidFill>
-                  <a:schemeClr val="bg1"/>
-                </a:solidFill>
-              </a:rPr>
-              <a:t> </a:t>
-            </a:r>
-            <a:r>
-              <a:rPr lang="en-US" sz="1600" dirty="0" err="1">
-                <a:solidFill>
-                  <a:schemeClr val="bg1"/>
-                </a:solidFill>
-              </a:rPr>
-              <a:t>dụng</a:t>
-            </a:r>
-            <a:r>
-              <a:rPr lang="en-US" sz="1600" dirty="0">
-                <a:solidFill>
-                  <a:schemeClr val="bg1"/>
-                </a:solidFill>
-              </a:rPr>
-              <a:t> </a:t>
-            </a:r>
-            <a:r>
-              <a:rPr lang="en-US" sz="1600" dirty="0" err="1">
-                <a:solidFill>
-                  <a:schemeClr val="bg1"/>
-                </a:solidFill>
-              </a:rPr>
-              <a:t>mệnh</a:t>
-            </a:r>
-            <a:r>
-              <a:rPr lang="en-US" sz="1600" dirty="0">
-                <a:solidFill>
-                  <a:schemeClr val="bg1"/>
-                </a:solidFill>
-              </a:rPr>
-              <a:t> </a:t>
-            </a:r>
-            <a:r>
-              <a:rPr lang="en-US" sz="1600" dirty="0" err="1">
-                <a:solidFill>
-                  <a:schemeClr val="bg1"/>
-                </a:solidFill>
-              </a:rPr>
-              <a:t>đề</a:t>
-            </a:r>
-            <a:r>
-              <a:rPr lang="en-US" sz="1600" dirty="0">
-                <a:solidFill>
-                  <a:schemeClr val="bg1"/>
-                </a:solidFill>
-              </a:rPr>
-              <a:t> </a:t>
-            </a:r>
-            <a:r>
-              <a:rPr lang="en-US" sz="1600" dirty="0" smtClean="0">
-                <a:solidFill>
-                  <a:schemeClr val="bg1"/>
-                </a:solidFill>
-              </a:rPr>
-              <a:t>FETCH</a:t>
+              <a:t> JOIN</a:t>
             </a:r>
             <a:endParaRPr lang="en-US" sz="1600" dirty="0">
               <a:solidFill>
@@ -4215,215 +6134,6 @@
               <a:t>nắm</a:t>
             </a:r>
             <a:endParaRPr lang="en-US" dirty="0"/>
-          </a:p>
-        </p:txBody>
-      </p:sp>
-      <p:sp>
-        <p:nvSpPr>
-          <p:cNvPr id="38" name="Rounded Rectangle 37"/>
-          <p:cNvSpPr/>
-          <p:nvPr/>
-        </p:nvSpPr>
-        <p:spPr>
-          <a:xfrm>
-            <a:off x="905345" y="5041764"/>
-            <a:ext cx="350005" cy="350005"/>
-          </a:xfrm>
-          <a:prstGeom prst="roundRect">
-            <a:avLst/>
-          </a:prstGeom>
-          <a:solidFill>
-            <a:schemeClr val="bg1"/>
-          </a:solidFill>
-        </p:spPr>
-        <p:style>
-          <a:lnRef idx="2">
-            <a:schemeClr val="accent1">
-              <a:shade val="50000"/>
-            </a:schemeClr>
-          </a:lnRef>
-          <a:fillRef idx="1">
-            <a:schemeClr val="accent1"/>
-          </a:fillRef>
-          <a:effectRef idx="0">
-            <a:schemeClr val="accent1"/>
-          </a:effectRef>
-          <a:fontRef idx="minor">
-            <a:schemeClr val="lt1"/>
-          </a:fontRef>
-        </p:style>
-        <p:txBody>
-          <a:bodyPr rtlCol="0" anchor="ctr"/>
-          <a:lstStyle/>
-          <a:p>
-            <a:pPr algn="ctr"/>
-            <a:r>
-              <a:rPr lang="en-US" b="1" dirty="0" smtClean="0">
-                <a:solidFill>
-                  <a:schemeClr val="accent5">
-                    <a:lumMod val="75000"/>
-                  </a:schemeClr>
-                </a:solidFill>
-              </a:rPr>
-              <a:t>4</a:t>
-            </a:r>
-            <a:endParaRPr lang="en-US" b="1" dirty="0">
-              <a:solidFill>
-                <a:schemeClr val="accent5">
-                  <a:lumMod val="75000"/>
-                </a:schemeClr>
-              </a:solidFill>
-            </a:endParaRPr>
-          </a:p>
-        </p:txBody>
-      </p:sp>
-      <p:sp>
-        <p:nvSpPr>
-          <p:cNvPr id="39" name="TextBox 38"/>
-          <p:cNvSpPr txBox="1"/>
-          <p:nvPr/>
-        </p:nvSpPr>
-        <p:spPr>
-          <a:xfrm>
-            <a:off x="1318725" y="5041764"/>
-            <a:ext cx="6919928" cy="338554"/>
-          </a:xfrm>
-          <a:prstGeom prst="rect">
-            <a:avLst/>
-          </a:prstGeom>
-          <a:noFill/>
-        </p:spPr>
-        <p:txBody>
-          <a:bodyPr wrap="square" rtlCol="0">
-            <a:spAutoFit/>
-          </a:bodyPr>
-          <a:lstStyle/>
-          <a:p>
-            <a:r>
-              <a:rPr lang="en-US" sz="1600" dirty="0" err="1">
-                <a:solidFill>
-                  <a:schemeClr val="bg1"/>
-                </a:solidFill>
-              </a:rPr>
-              <a:t>Hiểu</a:t>
-            </a:r>
-            <a:r>
-              <a:rPr lang="en-US" sz="1600" dirty="0">
-                <a:solidFill>
-                  <a:schemeClr val="bg1"/>
-                </a:solidFill>
-              </a:rPr>
-              <a:t> </a:t>
-            </a:r>
-            <a:r>
-              <a:rPr lang="en-US" sz="1600" dirty="0" err="1">
-                <a:solidFill>
-                  <a:schemeClr val="bg1"/>
-                </a:solidFill>
-              </a:rPr>
-              <a:t>được</a:t>
-            </a:r>
-            <a:r>
-              <a:rPr lang="en-US" sz="1600" dirty="0">
-                <a:solidFill>
-                  <a:schemeClr val="bg1"/>
-                </a:solidFill>
-              </a:rPr>
-              <a:t> </a:t>
-            </a:r>
-            <a:r>
-              <a:rPr lang="en-US" sz="1600" dirty="0" err="1">
-                <a:solidFill>
-                  <a:schemeClr val="bg1"/>
-                </a:solidFill>
-              </a:rPr>
-              <a:t>cách</a:t>
-            </a:r>
-            <a:r>
-              <a:rPr lang="en-US" sz="1600" dirty="0">
-                <a:solidFill>
-                  <a:schemeClr val="bg1"/>
-                </a:solidFill>
-              </a:rPr>
-              <a:t> </a:t>
-            </a:r>
-            <a:r>
-              <a:rPr lang="en-US" sz="1600" dirty="0" err="1">
-                <a:solidFill>
-                  <a:schemeClr val="bg1"/>
-                </a:solidFill>
-              </a:rPr>
-              <a:t>sử</a:t>
-            </a:r>
-            <a:r>
-              <a:rPr lang="en-US" sz="1600" dirty="0">
-                <a:solidFill>
-                  <a:schemeClr val="bg1"/>
-                </a:solidFill>
-              </a:rPr>
-              <a:t> </a:t>
-            </a:r>
-            <a:r>
-              <a:rPr lang="en-US" sz="1600" dirty="0" err="1">
-                <a:solidFill>
-                  <a:schemeClr val="bg1"/>
-                </a:solidFill>
-              </a:rPr>
-              <a:t>dụng</a:t>
-            </a:r>
-            <a:r>
-              <a:rPr lang="en-US" sz="1600" dirty="0">
-                <a:solidFill>
-                  <a:schemeClr val="bg1"/>
-                </a:solidFill>
-              </a:rPr>
-              <a:t> </a:t>
-            </a:r>
-            <a:r>
-              <a:rPr lang="en-US" sz="1600" dirty="0" err="1">
-                <a:solidFill>
-                  <a:schemeClr val="bg1"/>
-                </a:solidFill>
-              </a:rPr>
-              <a:t>mệnh</a:t>
-            </a:r>
-            <a:r>
-              <a:rPr lang="en-US" sz="1600" dirty="0">
-                <a:solidFill>
-                  <a:schemeClr val="bg1"/>
-                </a:solidFill>
-              </a:rPr>
-              <a:t> </a:t>
-            </a:r>
-            <a:r>
-              <a:rPr lang="en-US" sz="1600" dirty="0" err="1">
-                <a:solidFill>
-                  <a:schemeClr val="bg1"/>
-                </a:solidFill>
-              </a:rPr>
-              <a:t>đề</a:t>
-            </a:r>
-            <a:r>
-              <a:rPr lang="en-US" sz="1600" dirty="0">
-                <a:solidFill>
-                  <a:schemeClr val="bg1"/>
-                </a:solidFill>
-              </a:rPr>
-              <a:t> </a:t>
-            </a:r>
-            <a:r>
-              <a:rPr lang="en-US" sz="1600" dirty="0" smtClean="0">
-                <a:solidFill>
-                  <a:schemeClr val="bg1"/>
-                </a:solidFill>
-              </a:rPr>
-              <a:t>IN, BETWEEN, LIKE, IS NULL</a:t>
-            </a:r>
-            <a:endParaRPr lang="en-US" sz="1600" dirty="0">
-              <a:solidFill>
-                <a:schemeClr val="bg1"/>
-              </a:solidFill>
-            </a:endParaRPr>
           </a:p>
         </p:txBody>
       </p:sp>
@@ -4559,13 +6269,6 @@
               </a:rPr>
               <a:t>Table aliases</a:t>
             </a:r>
-            <a:endParaRPr lang="en-US" sz="3200" b="1" dirty="0">
-              <a:solidFill>
-                <a:schemeClr val="accent5">
-                  <a:lumMod val="75000"/>
-                </a:schemeClr>
-              </a:solidFill>
-            </a:endParaRPr>
           </a:p>
         </p:txBody>
       </p:sp>
@@ -7172,17 +8875,7 @@
                   </a:schemeClr>
                 </a:solidFill>
               </a:rPr>
-              <a:t> </a:t>
-            </a:r>
-            <a:r>
-              <a:rPr lang="en-US" sz="3200" b="1" dirty="0" smtClean="0">
-                <a:solidFill>
-                  <a:schemeClr val="accent5">
-                    <a:lumMod val="75000"/>
-                  </a:schemeClr>
-                </a:solidFill>
-              </a:rPr>
-              <a:t>JOIN</a:t>
+              <a:t> JOIN</a:t>
             </a:r>
             <a:endParaRPr lang="en-US" sz="3200" b="1" dirty="0">
               <a:solidFill>
